--- a/08_Quizz_competition/2018_Quizz3.pptx
+++ b/08_Quizz_competition/2018_Quizz3.pptx
@@ -4626,13 +4626,7 @@
               <a:rPr lang="fr-FR" sz="3600" b="1" dirty="0" smtClean="0">
                 <a:latin typeface="Century Gothic" panose="020B0502020202020204" pitchFamily="34" charset="0"/>
               </a:rPr>
-              <a:t>Quizz </a:t>
-            </a:r>
-            <a:r>
-              <a:rPr lang="fr-FR" sz="3600" b="1" dirty="0" smtClean="0">
-                <a:latin typeface="Century Gothic" panose="020B0502020202020204" pitchFamily="34" charset="0"/>
-              </a:rPr>
-              <a:t>#3</a:t>
+              <a:t>Quizz #3</a:t>
             </a:r>
             <a:endParaRPr lang="fr-FR" sz="3600" b="1" dirty="0">
               <a:latin typeface="Century Gothic" panose="020B0502020202020204" pitchFamily="34" charset="0"/>
@@ -5065,15 +5059,7 @@
             </a:pPr>
             <a:r>
               <a:rPr lang="fr-FR" dirty="0" smtClean="0"/>
-              <a:t>  </a:t>
-            </a:r>
-            <a:r>
-              <a:rPr lang="fr-FR" dirty="0" smtClean="0"/>
-              <a:t>10.5 </a:t>
-            </a:r>
-            <a:r>
-              <a:rPr lang="fr-FR" dirty="0" smtClean="0"/>
-              <a:t>cm</a:t>
+              <a:t>  10.5 cm</a:t>
             </a:r>
           </a:p>
           <a:p>
@@ -6224,13 +6210,8 @@
             </a:r>
             <a:r>
               <a:rPr lang="en-US" sz="2400" dirty="0" smtClean="0"/>
-              <a:t>   </a:t>
-            </a:r>
-            <a:r>
-              <a:rPr lang="en-US" sz="2400" dirty="0" smtClean="0"/>
-              <a:t>1,225 kg</a:t>
-            </a:r>
-            <a:endParaRPr lang="en-US" sz="2400" dirty="0" smtClean="0"/>
+              <a:t>   1,225 kg</a:t>
+            </a:r>
           </a:p>
           <a:p>
             <a:pPr>
@@ -6239,13 +6220,8 @@
             </a:pPr>
             <a:r>
               <a:rPr lang="en-US" sz="2400" dirty="0" smtClean="0"/>
-              <a:t>    </a:t>
-            </a:r>
-            <a:r>
-              <a:rPr lang="en-US" sz="2400" dirty="0" smtClean="0"/>
-              <a:t>1,198 kg</a:t>
-            </a:r>
-            <a:endParaRPr lang="en-US" sz="2400" dirty="0" smtClean="0"/>
+              <a:t>    1,198 kg</a:t>
+            </a:r>
           </a:p>
           <a:p>
             <a:pPr>
@@ -6258,13 +6234,8 @@
             </a:r>
             <a:r>
               <a:rPr lang="en-US" sz="2400" dirty="0" smtClean="0"/>
-              <a:t>   </a:t>
-            </a:r>
-            <a:r>
-              <a:rPr lang="en-US" sz="2400" dirty="0" smtClean="0"/>
-              <a:t>1,378 kg</a:t>
-            </a:r>
-            <a:endParaRPr lang="en-US" sz="2400" dirty="0" smtClean="0"/>
+              <a:t>   1,378 kg</a:t>
+            </a:r>
           </a:p>
           <a:p>
             <a:pPr>
@@ -6273,11 +6244,7 @@
             </a:pPr>
             <a:r>
               <a:rPr lang="en-US" sz="2400" dirty="0" smtClean="0"/>
-              <a:t>    </a:t>
-            </a:r>
-            <a:r>
-              <a:rPr lang="en-US" sz="2400" dirty="0" smtClean="0"/>
-              <a:t>1,511 kg</a:t>
+              <a:t>    1,511 kg</a:t>
             </a:r>
           </a:p>
           <a:p>
@@ -6293,7 +6260,6 @@
               <a:rPr lang="en-US" sz="2400" dirty="0" smtClean="0"/>
               <a:t>   1,000 kg</a:t>
             </a:r>
-            <a:endParaRPr lang="en-US" sz="2400" dirty="0" smtClean="0"/>
           </a:p>
           <a:p>
             <a:endParaRPr lang="fr-FR" dirty="0"/>
@@ -7082,13 +7048,8 @@
             </a:pPr>
             <a:r>
               <a:rPr lang="fr-FR" sz="2400" dirty="0" smtClean="0"/>
-              <a:t>  </a:t>
-            </a:r>
-            <a:r>
-              <a:rPr lang="fr-FR" sz="2400" dirty="0" smtClean="0"/>
-              <a:t>158 Hz</a:t>
-            </a:r>
-            <a:endParaRPr lang="fr-FR" sz="2400" dirty="0" smtClean="0"/>
+              <a:t>  158 Hz</a:t>
+            </a:r>
           </a:p>
           <a:p>
             <a:pPr>
@@ -7101,13 +7062,8 @@
             </a:r>
             <a:r>
               <a:rPr lang="fr-FR" sz="2400" dirty="0" smtClean="0"/>
-              <a:t> </a:t>
-            </a:r>
-            <a:r>
-              <a:rPr lang="fr-FR" sz="2400" dirty="0" smtClean="0"/>
-              <a:t>168 Hz</a:t>
-            </a:r>
-            <a:endParaRPr lang="fr-FR" sz="2400" dirty="0" smtClean="0"/>
+              <a:t> 168 Hz</a:t>
+            </a:r>
           </a:p>
           <a:p>
             <a:pPr>
@@ -7116,13 +7072,8 @@
             </a:pPr>
             <a:r>
               <a:rPr lang="fr-FR" sz="2400" dirty="0" smtClean="0"/>
-              <a:t>  </a:t>
-            </a:r>
-            <a:r>
-              <a:rPr lang="fr-FR" sz="2400" dirty="0" smtClean="0"/>
-              <a:t>178 Hz</a:t>
-            </a:r>
-            <a:endParaRPr lang="fr-FR" sz="2400" dirty="0" smtClean="0"/>
+              <a:t>  178 Hz</a:t>
+            </a:r>
           </a:p>
           <a:p>
             <a:pPr>
@@ -7135,11 +7086,7 @@
             </a:r>
             <a:r>
               <a:rPr lang="fr-FR" sz="2400" dirty="0" smtClean="0"/>
-              <a:t> </a:t>
-            </a:r>
-            <a:r>
-              <a:rPr lang="fr-FR" sz="2400" dirty="0" smtClean="0"/>
-              <a:t>198 Hz</a:t>
+              <a:t> 198 Hz</a:t>
             </a:r>
             <a:endParaRPr lang="fr-FR" sz="2400" dirty="0"/>
           </a:p>

--- a/08_Quizz_competition/2018_Quizz3.pptx
+++ b/08_Quizz_competition/2018_Quizz3.pptx
@@ -207,7 +207,7 @@
           <a:p>
             <a:fld id="{5D475C35-5908-4B2D-B5C8-393CB5047EDD}" type="datetimeFigureOut">
               <a:rPr lang="fr-FR" smtClean="0"/>
-              <a:t>11/12/2018</a:t>
+              <a:t>12/12/2018</a:t>
             </a:fld>
             <a:endParaRPr lang="fr-FR"/>
           </a:p>
@@ -959,10 +959,6 @@
           <a:bodyPr/>
           <a:lstStyle/>
           <a:p>
-            <a:r>
-              <a:rPr lang="fr-FR" dirty="0" smtClean="0"/>
-              <a:t>68.2</a:t>
-            </a:r>
             <a:endParaRPr lang="fr-FR" dirty="0"/>
           </a:p>
         </p:txBody>
@@ -1536,7 +1532,7 @@
           <a:p>
             <a:fld id="{96DFF08F-DC6B-4601-B491-B0F83F6DD2DA}" type="datetimeFigureOut">
               <a:rPr lang="en-US" smtClean="0"/>
-              <a:t>12/11/2018</a:t>
+              <a:t>12/12/2018</a:t>
             </a:fld>
             <a:endParaRPr lang="en-US" dirty="0"/>
           </a:p>
@@ -1706,7 +1702,7 @@
           <a:p>
             <a:fld id="{96DFF08F-DC6B-4601-B491-B0F83F6DD2DA}" type="datetimeFigureOut">
               <a:rPr lang="en-US" smtClean="0"/>
-              <a:t>12/11/2018</a:t>
+              <a:t>12/12/2018</a:t>
             </a:fld>
             <a:endParaRPr lang="en-US" dirty="0"/>
           </a:p>
@@ -1929,7 +1925,7 @@
           <a:p>
             <a:fld id="{96DFF08F-DC6B-4601-B491-B0F83F6DD2DA}" type="datetimeFigureOut">
               <a:rPr lang="en-US" smtClean="0"/>
-              <a:t>12/11/2018</a:t>
+              <a:t>12/12/2018</a:t>
             </a:fld>
             <a:endParaRPr lang="en-US" dirty="0"/>
           </a:p>
@@ -2109,7 +2105,7 @@
           <a:p>
             <a:fld id="{96DFF08F-DC6B-4601-B491-B0F83F6DD2DA}" type="datetimeFigureOut">
               <a:rPr lang="en-US" smtClean="0"/>
-              <a:t>12/11/2018</a:t>
+              <a:t>12/12/2018</a:t>
             </a:fld>
             <a:endParaRPr lang="en-US" dirty="0"/>
           </a:p>
@@ -2416,7 +2412,7 @@
             <a:fld id="{96DFF08F-DC6B-4601-B491-B0F83F6DD2DA}" type="datetimeFigureOut">
               <a:rPr lang="en-US" smtClean="0"/>
               <a:pPr/>
-              <a:t>12/11/2018</a:t>
+              <a:t>12/12/2018</a:t>
             </a:fld>
             <a:endParaRPr lang="en-US" dirty="0"/>
           </a:p>
@@ -2721,7 +2717,7 @@
           <a:p>
             <a:fld id="{96DFF08F-DC6B-4601-B491-B0F83F6DD2DA}" type="datetimeFigureOut">
               <a:rPr lang="en-US" smtClean="0"/>
-              <a:t>12/11/2018</a:t>
+              <a:t>12/12/2018</a:t>
             </a:fld>
             <a:endParaRPr lang="en-US" dirty="0"/>
           </a:p>
@@ -3143,7 +3139,7 @@
           <a:p>
             <a:fld id="{96DFF08F-DC6B-4601-B491-B0F83F6DD2DA}" type="datetimeFigureOut">
               <a:rPr lang="en-US" smtClean="0"/>
-              <a:t>12/11/2018</a:t>
+              <a:t>12/12/2018</a:t>
             </a:fld>
             <a:endParaRPr lang="en-US" dirty="0"/>
           </a:p>
@@ -3261,7 +3257,7 @@
           <a:p>
             <a:fld id="{96DFF08F-DC6B-4601-B491-B0F83F6DD2DA}" type="datetimeFigureOut">
               <a:rPr lang="en-US" smtClean="0"/>
-              <a:t>12/11/2018</a:t>
+              <a:t>12/12/2018</a:t>
             </a:fld>
             <a:endParaRPr lang="en-US" dirty="0"/>
           </a:p>
@@ -3356,7 +3352,7 @@
           <a:p>
             <a:fld id="{96DFF08F-DC6B-4601-B491-B0F83F6DD2DA}" type="datetimeFigureOut">
               <a:rPr lang="en-US" smtClean="0"/>
-              <a:t>12/11/2018</a:t>
+              <a:t>12/12/2018</a:t>
             </a:fld>
             <a:endParaRPr lang="en-US" dirty="0"/>
           </a:p>
@@ -3629,7 +3625,7 @@
           <a:p>
             <a:fld id="{96DFF08F-DC6B-4601-B491-B0F83F6DD2DA}" type="datetimeFigureOut">
               <a:rPr lang="en-US" smtClean="0"/>
-              <a:t>12/11/2018</a:t>
+              <a:t>12/12/2018</a:t>
             </a:fld>
             <a:endParaRPr lang="en-US" dirty="0"/>
           </a:p>
@@ -3894,7 +3890,7 @@
           <a:p>
             <a:fld id="{96DFF08F-DC6B-4601-B491-B0F83F6DD2DA}" type="datetimeFigureOut">
               <a:rPr lang="en-US" smtClean="0"/>
-              <a:t>12/11/2018</a:t>
+              <a:t>12/12/2018</a:t>
             </a:fld>
             <a:endParaRPr lang="en-US" dirty="0"/>
           </a:p>
@@ -4144,7 +4140,7 @@
             <a:fld id="{96DFF08F-DC6B-4601-B491-B0F83F6DD2DA}" type="datetimeFigureOut">
               <a:rPr lang="en-US" smtClean="0"/>
               <a:pPr/>
-              <a:t>12/11/2018</a:t>
+              <a:t>12/12/2018</a:t>
             </a:fld>
             <a:endParaRPr lang="en-US" dirty="0"/>
           </a:p>
@@ -4908,7 +4904,13 @@
               <a:rPr lang="fr-FR" sz="3200" dirty="0" smtClean="0">
                 <a:latin typeface="Century Gothic" panose="020B0502020202020204" pitchFamily="34" charset="0"/>
               </a:rPr>
-              <a:t>Mardi 11 Décembre 2018</a:t>
+              <a:t>Mercredi 12 </a:t>
+            </a:r>
+            <a:r>
+              <a:rPr lang="fr-FR" sz="3200" dirty="0" smtClean="0">
+                <a:latin typeface="Century Gothic" panose="020B0502020202020204" pitchFamily="34" charset="0"/>
+              </a:rPr>
+              <a:t>Décembre 2018</a:t>
             </a:r>
             <a:endParaRPr lang="fr-FR" sz="3200" dirty="0">
               <a:latin typeface="Century Gothic" panose="020B0502020202020204" pitchFamily="34" charset="0"/>
@@ -5059,7 +5061,15 @@
             </a:pPr>
             <a:r>
               <a:rPr lang="fr-FR" dirty="0" smtClean="0"/>
-              <a:t>  10.5 cm</a:t>
+              <a:t>  </a:t>
+            </a:r>
+            <a:r>
+              <a:rPr lang="fr-FR" dirty="0" smtClean="0"/>
+              <a:t>10.0 </a:t>
+            </a:r>
+            <a:r>
+              <a:rPr lang="fr-FR" dirty="0" smtClean="0"/>
+              <a:t>cm</a:t>
             </a:r>
           </a:p>
           <a:p>
@@ -5495,7 +5505,15 @@
             </a:pPr>
             <a:r>
               <a:rPr lang="en-US" dirty="0" smtClean="0"/>
-              <a:t>  Fe=1.5kN, </a:t>
+              <a:t>  </a:t>
+            </a:r>
+            <a:r>
+              <a:rPr lang="en-US" dirty="0" smtClean="0"/>
+              <a:t>Fe=2.0kN</a:t>
+            </a:r>
+            <a:r>
+              <a:rPr lang="en-US" dirty="0" smtClean="0"/>
+              <a:t>, </a:t>
             </a:r>
             <a:r>
               <a:rPr lang="en-US" dirty="0" err="1" smtClean="0"/>
@@ -5540,20 +5558,21 @@
             </a:r>
             <a:r>
               <a:rPr lang="en-US" dirty="0" smtClean="0"/>
-              <a:t>Fe=2.0kN</a:t>
+              <a:t>Fe=0.5kN</a:t>
             </a:r>
             <a:r>
               <a:rPr lang="en-US" dirty="0"/>
               <a:t>, </a:t>
             </a:r>
             <a:r>
-              <a:rPr lang="en-US" dirty="0" err="1"/>
+              <a:rPr lang="en-US" dirty="0" err="1" smtClean="0"/>
               <a:t>Fg</a:t>
             </a:r>
             <a:r>
-              <a:rPr lang="en-US" dirty="0"/>
-              <a:t>=3.0kN</a:t>
-            </a:r>
+              <a:rPr lang="en-US" dirty="0" smtClean="0"/>
+              <a:t>=1.5kN</a:t>
+            </a:r>
+            <a:endParaRPr lang="en-US" dirty="0"/>
           </a:p>
           <a:p>
             <a:pPr>
@@ -6162,8 +6181,13 @@
             </a:pPr>
             <a:r>
               <a:rPr lang="en-US" sz="2400" dirty="0" smtClean="0"/>
-              <a:t>If any type tube diameter and wall thickness would be available how much would 1m of shoulder harness steel tube weight if we choose the lightest ? (Density is 7.5 g/cm^3)</a:t>
-            </a:r>
+              <a:t>If any type tube diameter and wall thickness would be available how much would 1m of shoulder harness steel tube weight if we choose the lightest ? (Density is </a:t>
+            </a:r>
+            <a:r>
+              <a:rPr lang="en-US" sz="2400" dirty="0" smtClean="0"/>
+              <a:t>7.85 g/cm^3, pick the closest value)</a:t>
+            </a:r>
+            <a:endParaRPr lang="en-US" sz="2400" dirty="0" smtClean="0"/>
           </a:p>
           <a:p>
             <a:pPr marL="0" indent="0">
@@ -6389,8 +6413,9 @@
             </a:r>
             <a:r>
               <a:rPr lang="en-US" dirty="0" smtClean="0"/>
-              <a:t>?</a:t>
-            </a:r>
+              <a:t>? (Pick the closest value)</a:t>
+            </a:r>
+            <a:endParaRPr lang="en-US" dirty="0" smtClean="0"/>
           </a:p>
           <a:p>
             <a:pPr marL="0" indent="0">
@@ -6405,8 +6430,13 @@
             </a:pPr>
             <a:r>
               <a:rPr lang="en-US" dirty="0" smtClean="0"/>
-              <a:t>  68.2°</a:t>
-            </a:r>
+              <a:t>  </a:t>
+            </a:r>
+            <a:r>
+              <a:rPr lang="en-US" dirty="0" smtClean="0"/>
+              <a:t>68.5°</a:t>
+            </a:r>
+            <a:endParaRPr lang="en-US" dirty="0" smtClean="0"/>
           </a:p>
           <a:p>
             <a:pPr>
